--- a/프로젝트 아이디어/아이디어설명 및 프로세스.pptx
+++ b/프로젝트 아이디어/아이디어설명 및 프로세스.pptx
@@ -9,6 +9,7 @@
     <p:sldId id="257" r:id="rId3"/>
     <p:sldId id="258" r:id="rId4"/>
     <p:sldId id="259" r:id="rId5"/>
+    <p:sldId id="260" r:id="rId6"/>
   </p:sldIdLst>
   <p:sldSz cx="9144000" cy="6858000" type="screen4x3"/>
   <p:notesSz cx="6858000" cy="9144000"/>
@@ -291,7 +292,8 @@
           <a:p>
             <a:fld id="{53979B7B-FD5F-4132-99CF-63CEF87A4F03}" type="datetimeFigureOut">
               <a:rPr lang="ko-KR" altLang="en-US" smtClean="0"/>
-              <a:t>2018-06-25</a:t>
+              <a:pPr/>
+              <a:t>2018-07-08</a:t>
             </a:fld>
             <a:endParaRPr lang="ko-KR" altLang="en-US"/>
           </a:p>
@@ -333,6 +335,7 @@
           <a:p>
             <a:fld id="{B1D49E4F-86AA-4DE4-870B-CC169F0AEA4E}" type="slidenum">
               <a:rPr lang="ko-KR" altLang="en-US" smtClean="0"/>
+              <a:pPr/>
               <a:t>‹#›</a:t>
             </a:fld>
             <a:endParaRPr lang="ko-KR" altLang="en-US"/>
@@ -456,7 +459,8 @@
           <a:p>
             <a:fld id="{53979B7B-FD5F-4132-99CF-63CEF87A4F03}" type="datetimeFigureOut">
               <a:rPr lang="ko-KR" altLang="en-US" smtClean="0"/>
-              <a:t>2018-06-25</a:t>
+              <a:pPr/>
+              <a:t>2018-07-08</a:t>
             </a:fld>
             <a:endParaRPr lang="ko-KR" altLang="en-US"/>
           </a:p>
@@ -498,6 +502,7 @@
           <a:p>
             <a:fld id="{B1D49E4F-86AA-4DE4-870B-CC169F0AEA4E}" type="slidenum">
               <a:rPr lang="ko-KR" altLang="en-US" smtClean="0"/>
+              <a:pPr/>
               <a:t>‹#›</a:t>
             </a:fld>
             <a:endParaRPr lang="ko-KR" altLang="en-US"/>
@@ -631,7 +636,8 @@
           <a:p>
             <a:fld id="{53979B7B-FD5F-4132-99CF-63CEF87A4F03}" type="datetimeFigureOut">
               <a:rPr lang="ko-KR" altLang="en-US" smtClean="0"/>
-              <a:t>2018-06-25</a:t>
+              <a:pPr/>
+              <a:t>2018-07-08</a:t>
             </a:fld>
             <a:endParaRPr lang="ko-KR" altLang="en-US"/>
           </a:p>
@@ -673,6 +679,7 @@
           <a:p>
             <a:fld id="{B1D49E4F-86AA-4DE4-870B-CC169F0AEA4E}" type="slidenum">
               <a:rPr lang="ko-KR" altLang="en-US" smtClean="0"/>
+              <a:pPr/>
               <a:t>‹#›</a:t>
             </a:fld>
             <a:endParaRPr lang="ko-KR" altLang="en-US"/>
@@ -796,7 +803,8 @@
           <a:p>
             <a:fld id="{53979B7B-FD5F-4132-99CF-63CEF87A4F03}" type="datetimeFigureOut">
               <a:rPr lang="ko-KR" altLang="en-US" smtClean="0"/>
-              <a:t>2018-06-25</a:t>
+              <a:pPr/>
+              <a:t>2018-07-08</a:t>
             </a:fld>
             <a:endParaRPr lang="ko-KR" altLang="en-US"/>
           </a:p>
@@ -838,6 +846,7 @@
           <a:p>
             <a:fld id="{B1D49E4F-86AA-4DE4-870B-CC169F0AEA4E}" type="slidenum">
               <a:rPr lang="ko-KR" altLang="en-US" smtClean="0"/>
+              <a:pPr/>
               <a:t>‹#›</a:t>
             </a:fld>
             <a:endParaRPr lang="ko-KR" altLang="en-US"/>
@@ -1037,7 +1046,8 @@
           <a:p>
             <a:fld id="{53979B7B-FD5F-4132-99CF-63CEF87A4F03}" type="datetimeFigureOut">
               <a:rPr lang="ko-KR" altLang="en-US" smtClean="0"/>
-              <a:t>2018-06-25</a:t>
+              <a:pPr/>
+              <a:t>2018-07-08</a:t>
             </a:fld>
             <a:endParaRPr lang="ko-KR" altLang="en-US"/>
           </a:p>
@@ -1079,6 +1089,7 @@
           <a:p>
             <a:fld id="{B1D49E4F-86AA-4DE4-870B-CC169F0AEA4E}" type="slidenum">
               <a:rPr lang="ko-KR" altLang="en-US" smtClean="0"/>
+              <a:pPr/>
               <a:t>‹#›</a:t>
             </a:fld>
             <a:endParaRPr lang="ko-KR" altLang="en-US"/>
@@ -1320,7 +1331,8 @@
           <a:p>
             <a:fld id="{53979B7B-FD5F-4132-99CF-63CEF87A4F03}" type="datetimeFigureOut">
               <a:rPr lang="ko-KR" altLang="en-US" smtClean="0"/>
-              <a:t>2018-06-25</a:t>
+              <a:pPr/>
+              <a:t>2018-07-08</a:t>
             </a:fld>
             <a:endParaRPr lang="ko-KR" altLang="en-US"/>
           </a:p>
@@ -1362,6 +1374,7 @@
           <a:p>
             <a:fld id="{B1D49E4F-86AA-4DE4-870B-CC169F0AEA4E}" type="slidenum">
               <a:rPr lang="ko-KR" altLang="en-US" smtClean="0"/>
+              <a:pPr/>
               <a:t>‹#›</a:t>
             </a:fld>
             <a:endParaRPr lang="ko-KR" altLang="en-US"/>
@@ -1737,7 +1750,8 @@
           <a:p>
             <a:fld id="{53979B7B-FD5F-4132-99CF-63CEF87A4F03}" type="datetimeFigureOut">
               <a:rPr lang="ko-KR" altLang="en-US" smtClean="0"/>
-              <a:t>2018-06-25</a:t>
+              <a:pPr/>
+              <a:t>2018-07-08</a:t>
             </a:fld>
             <a:endParaRPr lang="ko-KR" altLang="en-US"/>
           </a:p>
@@ -1779,6 +1793,7 @@
           <a:p>
             <a:fld id="{B1D49E4F-86AA-4DE4-870B-CC169F0AEA4E}" type="slidenum">
               <a:rPr lang="ko-KR" altLang="en-US" smtClean="0"/>
+              <a:pPr/>
               <a:t>‹#›</a:t>
             </a:fld>
             <a:endParaRPr lang="ko-KR" altLang="en-US"/>
@@ -1850,7 +1865,8 @@
           <a:p>
             <a:fld id="{53979B7B-FD5F-4132-99CF-63CEF87A4F03}" type="datetimeFigureOut">
               <a:rPr lang="ko-KR" altLang="en-US" smtClean="0"/>
-              <a:t>2018-06-25</a:t>
+              <a:pPr/>
+              <a:t>2018-07-08</a:t>
             </a:fld>
             <a:endParaRPr lang="ko-KR" altLang="en-US"/>
           </a:p>
@@ -1892,6 +1908,7 @@
           <a:p>
             <a:fld id="{B1D49E4F-86AA-4DE4-870B-CC169F0AEA4E}" type="slidenum">
               <a:rPr lang="ko-KR" altLang="en-US" smtClean="0"/>
+              <a:pPr/>
               <a:t>‹#›</a:t>
             </a:fld>
             <a:endParaRPr lang="ko-KR" altLang="en-US"/>
@@ -1940,7 +1957,8 @@
           <a:p>
             <a:fld id="{53979B7B-FD5F-4132-99CF-63CEF87A4F03}" type="datetimeFigureOut">
               <a:rPr lang="ko-KR" altLang="en-US" smtClean="0"/>
-              <a:t>2018-06-25</a:t>
+              <a:pPr/>
+              <a:t>2018-07-08</a:t>
             </a:fld>
             <a:endParaRPr lang="ko-KR" altLang="en-US"/>
           </a:p>
@@ -1982,6 +2000,7 @@
           <a:p>
             <a:fld id="{B1D49E4F-86AA-4DE4-870B-CC169F0AEA4E}" type="slidenum">
               <a:rPr lang="ko-KR" altLang="en-US" smtClean="0"/>
+              <a:pPr/>
               <a:t>‹#›</a:t>
             </a:fld>
             <a:endParaRPr lang="ko-KR" altLang="en-US"/>
@@ -2212,7 +2231,8 @@
           <a:p>
             <a:fld id="{53979B7B-FD5F-4132-99CF-63CEF87A4F03}" type="datetimeFigureOut">
               <a:rPr lang="ko-KR" altLang="en-US" smtClean="0"/>
-              <a:t>2018-06-25</a:t>
+              <a:pPr/>
+              <a:t>2018-07-08</a:t>
             </a:fld>
             <a:endParaRPr lang="ko-KR" altLang="en-US"/>
           </a:p>
@@ -2254,6 +2274,7 @@
           <a:p>
             <a:fld id="{B1D49E4F-86AA-4DE4-870B-CC169F0AEA4E}" type="slidenum">
               <a:rPr lang="ko-KR" altLang="en-US" smtClean="0"/>
+              <a:pPr/>
               <a:t>‹#›</a:t>
             </a:fld>
             <a:endParaRPr lang="ko-KR" altLang="en-US"/>
@@ -2460,7 +2481,8 @@
           <a:p>
             <a:fld id="{53979B7B-FD5F-4132-99CF-63CEF87A4F03}" type="datetimeFigureOut">
               <a:rPr lang="ko-KR" altLang="en-US" smtClean="0"/>
-              <a:t>2018-06-25</a:t>
+              <a:pPr/>
+              <a:t>2018-07-08</a:t>
             </a:fld>
             <a:endParaRPr lang="ko-KR" altLang="en-US"/>
           </a:p>
@@ -2502,6 +2524,7 @@
           <a:p>
             <a:fld id="{B1D49E4F-86AA-4DE4-870B-CC169F0AEA4E}" type="slidenum">
               <a:rPr lang="ko-KR" altLang="en-US" smtClean="0"/>
+              <a:pPr/>
               <a:t>‹#›</a:t>
             </a:fld>
             <a:endParaRPr lang="ko-KR" altLang="en-US"/>
@@ -2668,7 +2691,8 @@
           <a:p>
             <a:fld id="{53979B7B-FD5F-4132-99CF-63CEF87A4F03}" type="datetimeFigureOut">
               <a:rPr lang="ko-KR" altLang="en-US" smtClean="0"/>
-              <a:t>2018-06-25</a:t>
+              <a:pPr/>
+              <a:t>2018-07-08</a:t>
             </a:fld>
             <a:endParaRPr lang="ko-KR" altLang="en-US"/>
           </a:p>
@@ -2746,6 +2770,7 @@
           <a:p>
             <a:fld id="{B1D49E4F-86AA-4DE4-870B-CC169F0AEA4E}" type="slidenum">
               <a:rPr lang="ko-KR" altLang="en-US" smtClean="0"/>
+              <a:pPr/>
               <a:t>‹#›</a:t>
             </a:fld>
             <a:endParaRPr lang="ko-KR" altLang="en-US"/>
@@ -8406,6 +8431,303 @@
 </p:sld>
 </file>
 
+<file path=ppt/slides/slide5.xml><?xml version="1.0" encoding="utf-8"?>
+<p:sld xmlns:a="http://schemas.openxmlformats.org/drawingml/2006/main" xmlns:r="http://schemas.openxmlformats.org/officeDocument/2006/relationships" xmlns:p="http://schemas.openxmlformats.org/presentationml/2006/main">
+  <p:cSld>
+    <p:spTree>
+      <p:nvGrpSpPr>
+        <p:cNvPr id="1" name=""/>
+        <p:cNvGrpSpPr/>
+        <p:nvPr/>
+      </p:nvGrpSpPr>
+      <p:grpSpPr>
+        <a:xfrm>
+          <a:off x="0" y="0"/>
+          <a:ext cx="0" cy="0"/>
+          <a:chOff x="0" y="0"/>
+          <a:chExt cx="0" cy="0"/>
+        </a:xfrm>
+      </p:grpSpPr>
+      <p:sp>
+        <p:nvSpPr>
+          <p:cNvPr id="2" name="제목 1"/>
+          <p:cNvSpPr>
+            <a:spLocks noGrp="1"/>
+          </p:cNvSpPr>
+          <p:nvPr>
+            <p:ph type="title"/>
+          </p:nvPr>
+        </p:nvSpPr>
+        <p:spPr/>
+        <p:txBody>
+          <a:bodyPr/>
+          <a:lstStyle/>
+          <a:p>
+            <a:endParaRPr lang="ko-KR" altLang="en-US"/>
+          </a:p>
+        </p:txBody>
+      </p:sp>
+      <p:sp>
+        <p:nvSpPr>
+          <p:cNvPr id="3" name="내용 개체 틀 2"/>
+          <p:cNvSpPr>
+            <a:spLocks noGrp="1"/>
+          </p:cNvSpPr>
+          <p:nvPr>
+            <p:ph idx="1"/>
+          </p:nvPr>
+        </p:nvSpPr>
+        <p:spPr/>
+        <p:txBody>
+          <a:bodyPr>
+            <a:normAutofit lnSpcReduction="10000"/>
+          </a:bodyPr>
+          <a:lstStyle/>
+          <a:p>
+            <a:pPr>
+              <a:buNone/>
+            </a:pPr>
+            <a:r>
+              <a:rPr lang="ko-KR" altLang="en-US" dirty="0" smtClean="0"/>
+              <a:t>상윤 </a:t>
+            </a:r>
+            <a:r>
+              <a:rPr lang="en-US" altLang="ko-KR" dirty="0" smtClean="0"/>
+              <a:t>: </a:t>
+            </a:r>
+            <a:r>
+              <a:rPr lang="ko-KR" altLang="en-US" dirty="0" smtClean="0"/>
+              <a:t>서버 구축</a:t>
+            </a:r>
+            <a:r>
+              <a:rPr lang="en-US" altLang="ko-KR" dirty="0" smtClean="0"/>
+              <a:t>(</a:t>
+            </a:r>
+            <a:r>
+              <a:rPr lang="ko-KR" altLang="en-US" dirty="0" err="1" smtClean="0"/>
+              <a:t>파이썬</a:t>
+            </a:r>
+            <a:r>
+              <a:rPr lang="ko-KR" altLang="en-US" dirty="0" smtClean="0"/>
+              <a:t> </a:t>
+            </a:r>
+            <a:r>
+              <a:rPr lang="en-US" altLang="ko-KR" dirty="0" smtClean="0"/>
+              <a:t>3.0</a:t>
+            </a:r>
+            <a:r>
+              <a:rPr lang="ko-KR" altLang="en-US" dirty="0" smtClean="0"/>
+              <a:t> 업데이트</a:t>
+            </a:r>
+            <a:r>
+              <a:rPr lang="en-US" altLang="ko-KR" dirty="0" smtClean="0"/>
+              <a:t>, </a:t>
+            </a:r>
+            <a:r>
+              <a:rPr lang="ko-KR" altLang="en-US" dirty="0" smtClean="0"/>
+              <a:t>깃 설치 카카오 </a:t>
+            </a:r>
+            <a:r>
+              <a:rPr lang="ko-KR" altLang="en-US" dirty="0" err="1" smtClean="0"/>
+              <a:t>디렉토리에</a:t>
+            </a:r>
+            <a:r>
+              <a:rPr lang="ko-KR" altLang="en-US" dirty="0" smtClean="0"/>
+              <a:t> 접근 </a:t>
+            </a:r>
+            <a:r>
+              <a:rPr lang="en-US" altLang="ko-KR" dirty="0" smtClean="0"/>
+              <a:t>(</a:t>
+            </a:r>
+            <a:r>
+              <a:rPr lang="ko-KR" altLang="en-US" dirty="0" smtClean="0"/>
+              <a:t>실행</a:t>
+            </a:r>
+            <a:r>
+              <a:rPr lang="en-US" altLang="ko-KR" dirty="0" smtClean="0"/>
+              <a:t>)) / </a:t>
+            </a:r>
+            <a:r>
+              <a:rPr lang="en-US" altLang="ko-KR" dirty="0" err="1" smtClean="0"/>
+              <a:t>api</a:t>
+            </a:r>
+            <a:r>
+              <a:rPr lang="ko-KR" altLang="en-US" dirty="0" smtClean="0"/>
+              <a:t> </a:t>
+            </a:r>
+            <a:r>
+              <a:rPr lang="en-US" altLang="ko-KR" dirty="0" smtClean="0"/>
+              <a:t>test / </a:t>
+            </a:r>
+            <a:r>
+              <a:rPr lang="ko-KR" altLang="en-US" dirty="0" err="1" smtClean="0"/>
+              <a:t>카카오봇</a:t>
+            </a:r>
+            <a:r>
+              <a:rPr lang="ko-KR" altLang="en-US" dirty="0" smtClean="0"/>
+              <a:t> 플러스 친구 생성 </a:t>
+            </a:r>
+            <a:r>
+              <a:rPr lang="en-US" altLang="ko-KR" dirty="0" smtClean="0"/>
+              <a:t>/ </a:t>
+            </a:r>
+          </a:p>
+          <a:p>
+            <a:pPr>
+              <a:buNone/>
+            </a:pPr>
+            <a:r>
+              <a:rPr lang="ko-KR" altLang="en-US" dirty="0" smtClean="0"/>
+              <a:t>병옥 </a:t>
+            </a:r>
+            <a:r>
+              <a:rPr lang="en-US" altLang="ko-KR" dirty="0" smtClean="0"/>
+              <a:t>: </a:t>
+            </a:r>
+            <a:r>
+              <a:rPr lang="ko-KR" altLang="en-US" dirty="0" smtClean="0"/>
+              <a:t>서버 </a:t>
+            </a:r>
+            <a:r>
+              <a:rPr lang="ko-KR" altLang="en-US" dirty="0" err="1" smtClean="0"/>
+              <a:t>디비</a:t>
+            </a:r>
+            <a:r>
+              <a:rPr lang="ko-KR" altLang="en-US" dirty="0" smtClean="0"/>
+              <a:t> 설치</a:t>
+            </a:r>
+            <a:r>
+              <a:rPr lang="en-US" altLang="ko-KR" dirty="0" smtClean="0"/>
+              <a:t> </a:t>
+            </a:r>
+            <a:r>
+              <a:rPr lang="en-US" altLang="ko-KR" dirty="0" smtClean="0"/>
+              <a:t>(</a:t>
+            </a:r>
+            <a:r>
+              <a:rPr lang="ko-KR" altLang="en-US" dirty="0" err="1" smtClean="0"/>
+              <a:t>아직안함</a:t>
+            </a:r>
+            <a:r>
+              <a:rPr lang="en-US" altLang="ko-KR" dirty="0" smtClean="0"/>
+              <a:t>)/  R</a:t>
+            </a:r>
+            <a:r>
+              <a:rPr lang="ko-KR" altLang="en-US" dirty="0" smtClean="0"/>
+              <a:t>분석 </a:t>
+            </a:r>
+            <a:r>
+              <a:rPr lang="en-US" altLang="ko-KR" dirty="0" smtClean="0"/>
+              <a:t>/ GITHUB </a:t>
+            </a:r>
+            <a:r>
+              <a:rPr lang="ko-KR" altLang="en-US" dirty="0" smtClean="0"/>
+              <a:t>관리 </a:t>
+            </a:r>
+            <a:r>
+              <a:rPr lang="en-US" altLang="ko-KR" dirty="0" smtClean="0"/>
+              <a:t>/ </a:t>
+            </a:r>
+            <a:r>
+              <a:rPr lang="en-US" altLang="ko-KR" dirty="0" err="1" smtClean="0"/>
+              <a:t>virtualbox</a:t>
+            </a:r>
+            <a:r>
+              <a:rPr lang="en-US" altLang="ko-KR" dirty="0" smtClean="0"/>
+              <a:t> -&gt; </a:t>
+            </a:r>
+            <a:r>
+              <a:rPr lang="ko-KR" altLang="en-US" dirty="0" smtClean="0"/>
+              <a:t>로컬에서 가상 서버 구축 후 윈도우에서 서버 </a:t>
+            </a:r>
+            <a:r>
+              <a:rPr lang="en-US" altLang="ko-KR" dirty="0" smtClean="0"/>
+              <a:t>DB</a:t>
+            </a:r>
+            <a:r>
+              <a:rPr lang="ko-KR" altLang="en-US" dirty="0" smtClean="0"/>
+              <a:t>접근 </a:t>
+            </a:r>
+            <a:r>
+              <a:rPr lang="en-US" altLang="ko-KR" dirty="0" smtClean="0"/>
+              <a:t>/ </a:t>
+            </a:r>
+            <a:r>
+              <a:rPr lang="ko-KR" altLang="en-US" dirty="0" smtClean="0"/>
+              <a:t>아이디어 제시 </a:t>
+            </a:r>
+            <a:r>
+              <a:rPr lang="en-US" altLang="ko-KR" dirty="0" smtClean="0"/>
+              <a:t>/ </a:t>
+            </a:r>
+            <a:r>
+              <a:rPr lang="ko-KR" altLang="en-US" dirty="0" smtClean="0"/>
+              <a:t>자료조사 </a:t>
+            </a:r>
+            <a:r>
+              <a:rPr lang="en-US" altLang="ko-KR" dirty="0" smtClean="0"/>
+              <a:t>/ </a:t>
+            </a:r>
+            <a:r>
+              <a:rPr lang="ko-KR" altLang="en-US" dirty="0" smtClean="0"/>
+              <a:t>시간관리</a:t>
+            </a:r>
+            <a:endParaRPr lang="en-US" altLang="ko-KR" dirty="0" smtClean="0"/>
+          </a:p>
+          <a:p>
+            <a:pPr>
+              <a:buNone/>
+            </a:pPr>
+            <a:r>
+              <a:rPr lang="ko-KR" altLang="en-US" dirty="0" smtClean="0"/>
+              <a:t>소중 </a:t>
+            </a:r>
+            <a:r>
+              <a:rPr lang="en-US" altLang="ko-KR" dirty="0" smtClean="0"/>
+              <a:t>: </a:t>
+            </a:r>
+          </a:p>
+          <a:p>
+            <a:pPr>
+              <a:buNone/>
+            </a:pPr>
+            <a:r>
+              <a:rPr lang="ko-KR" altLang="en-US" dirty="0" smtClean="0"/>
+              <a:t>보경 </a:t>
+            </a:r>
+            <a:r>
+              <a:rPr lang="en-US" altLang="ko-KR" dirty="0" smtClean="0"/>
+              <a:t>: </a:t>
+            </a:r>
+          </a:p>
+          <a:p>
+            <a:pPr>
+              <a:buNone/>
+            </a:pPr>
+            <a:endParaRPr lang="en-US" altLang="ko-KR" dirty="0" smtClean="0"/>
+          </a:p>
+          <a:p>
+            <a:pPr>
+              <a:buNone/>
+            </a:pPr>
+            <a:endParaRPr lang="en-US" altLang="ko-KR" dirty="0" smtClean="0"/>
+          </a:p>
+          <a:p>
+            <a:pPr>
+              <a:buNone/>
+            </a:pPr>
+            <a:endParaRPr lang="ko-KR" altLang="en-US" dirty="0"/>
+          </a:p>
+        </p:txBody>
+      </p:sp>
+    </p:spTree>
+  </p:cSld>
+  <p:clrMapOvr>
+    <a:masterClrMapping/>
+  </p:clrMapOvr>
+</p:sld>
+</file>
+
 <file path=ppt/theme/theme1.xml><?xml version="1.0" encoding="utf-8"?>
 <a:theme xmlns:a="http://schemas.openxmlformats.org/drawingml/2006/main" name="Office 테마">
   <a:themeElements>
